--- a/slides/You�re Working To Hard.pptx
+++ b/slides/You�re Working To Hard.pptx
@@ -8,10 +8,12 @@
     <p:sldId id="256" r:id="rId2"/>
     <p:sldId id="258" r:id="rId3"/>
     <p:sldId id="260" r:id="rId4"/>
-    <p:sldId id="261" r:id="rId5"/>
-    <p:sldId id="262" r:id="rId6"/>
-    <p:sldId id="257" r:id="rId7"/>
-    <p:sldId id="259" r:id="rId8"/>
+    <p:sldId id="263" r:id="rId5"/>
+    <p:sldId id="264" r:id="rId6"/>
+    <p:sldId id="261" r:id="rId7"/>
+    <p:sldId id="262" r:id="rId8"/>
+    <p:sldId id="257" r:id="rId9"/>
+    <p:sldId id="259" r:id="rId10"/>
   </p:sldIdLst>
   <p:sldSz cx="9144000" cy="6858000" type="screen4x3"/>
   <p:notesSz cx="6858000" cy="9144000"/>
@@ -740,7 +742,7 @@
           <a:p>
             <a:fld id="{16347D66-AC55-4B8A-A71D-B3F16CE108FE}" type="datetimeFigureOut">
               <a:rPr lang="en-US" smtClean="0"/>
-              <a:t>10/21/2010</a:t>
+              <a:t>10/22/2010</a:t>
             </a:fld>
             <a:endParaRPr lang="en-US"/>
           </a:p>
@@ -919,7 +921,7 @@
           <a:p>
             <a:fld id="{16347D66-AC55-4B8A-A71D-B3F16CE108FE}" type="datetimeFigureOut">
               <a:rPr lang="en-US" smtClean="0"/>
-              <a:t>10/21/2010</a:t>
+              <a:t>10/22/2010</a:t>
             </a:fld>
             <a:endParaRPr lang="en-US"/>
           </a:p>
@@ -1098,7 +1100,7 @@
           <a:p>
             <a:fld id="{16347D66-AC55-4B8A-A71D-B3F16CE108FE}" type="datetimeFigureOut">
               <a:rPr lang="en-US" smtClean="0"/>
-              <a:t>10/21/2010</a:t>
+              <a:t>10/22/2010</a:t>
             </a:fld>
             <a:endParaRPr lang="en-US"/>
           </a:p>
@@ -1263,7 +1265,7 @@
           <a:p>
             <a:fld id="{16347D66-AC55-4B8A-A71D-B3F16CE108FE}" type="datetimeFigureOut">
               <a:rPr lang="en-US" smtClean="0"/>
-              <a:t>10/21/2010</a:t>
+              <a:t>10/22/2010</a:t>
             </a:fld>
             <a:endParaRPr lang="en-US"/>
           </a:p>
@@ -1502,7 +1504,7 @@
           <a:p>
             <a:fld id="{16347D66-AC55-4B8A-A71D-B3F16CE108FE}" type="datetimeFigureOut">
               <a:rPr lang="en-US" smtClean="0"/>
-              <a:t>10/21/2010</a:t>
+              <a:t>10/22/2010</a:t>
             </a:fld>
             <a:endParaRPr lang="en-US"/>
           </a:p>
@@ -1615,7 +1617,7 @@
           <a:p>
             <a:fld id="{16347D66-AC55-4B8A-A71D-B3F16CE108FE}" type="datetimeFigureOut">
               <a:rPr lang="en-US" smtClean="0"/>
-              <a:t>10/21/2010</a:t>
+              <a:t>10/22/2010</a:t>
             </a:fld>
             <a:endParaRPr lang="en-US"/>
           </a:p>
@@ -1988,7 +1990,7 @@
           <a:p>
             <a:fld id="{16347D66-AC55-4B8A-A71D-B3F16CE108FE}" type="datetimeFigureOut">
               <a:rPr lang="en-US" smtClean="0"/>
-              <a:t>10/21/2010</a:t>
+              <a:t>10/22/2010</a:t>
             </a:fld>
             <a:endParaRPr lang="en-US"/>
           </a:p>
@@ -2215,7 +2217,7 @@
           <a:p>
             <a:fld id="{16347D66-AC55-4B8A-A71D-B3F16CE108FE}" type="datetimeFigureOut">
               <a:rPr lang="en-US" smtClean="0"/>
-              <a:t>10/21/2010</a:t>
+              <a:t>10/22/2010</a:t>
             </a:fld>
             <a:endParaRPr lang="en-US"/>
           </a:p>
@@ -2305,7 +2307,7 @@
           <a:p>
             <a:fld id="{16347D66-AC55-4B8A-A71D-B3F16CE108FE}" type="datetimeFigureOut">
               <a:rPr lang="en-US" smtClean="0"/>
-              <a:t>10/21/2010</a:t>
+              <a:t>10/22/2010</a:t>
             </a:fld>
             <a:endParaRPr lang="en-US"/>
           </a:p>
@@ -3132,7 +3134,7 @@
           <a:p>
             <a:fld id="{16347D66-AC55-4B8A-A71D-B3F16CE108FE}" type="datetimeFigureOut">
               <a:rPr lang="en-US" smtClean="0"/>
-              <a:t>10/21/2010</a:t>
+              <a:t>10/22/2010</a:t>
             </a:fld>
             <a:endParaRPr lang="en-US"/>
           </a:p>
@@ -3963,7 +3965,7 @@
           <a:p>
             <a:fld id="{16347D66-AC55-4B8A-A71D-B3F16CE108FE}" type="datetimeFigureOut">
               <a:rPr lang="en-US" smtClean="0"/>
-              <a:t>10/21/2010</a:t>
+              <a:t>10/22/2010</a:t>
             </a:fld>
             <a:endParaRPr lang="en-US"/>
           </a:p>
@@ -4617,7 +4619,7 @@
           <a:p>
             <a:fld id="{16347D66-AC55-4B8A-A71D-B3F16CE108FE}" type="datetimeFigureOut">
               <a:rPr lang="en-US" smtClean="0"/>
-              <a:t>10/21/2010</a:t>
+              <a:t>10/22/2010</a:t>
             </a:fld>
             <a:endParaRPr lang="en-US"/>
           </a:p>
@@ -5135,11 +5137,11 @@
   <p:clrMapOvr>
     <a:masterClrMapping/>
   </p:clrMapOvr>
-  <mc:AlternateContent xmlns:mc="http://schemas.openxmlformats.org/markup-compatibility/2006">
-    <mc:Choice xmlns:p14="http://schemas.microsoft.com/office/powerpoint/2010/main" Requires="p14">
+  <mc:AlternateContent xmlns:mc="http://schemas.openxmlformats.org/markup-compatibility/2006" xmlns:p14="http://schemas.microsoft.com/office/powerpoint/2010/main">
+    <mc:Choice Requires="p14">
       <p:transition spd="slow" p14:dur="2000"/>
     </mc:Choice>
-    <mc:Fallback>
+    <mc:Fallback xmlns="">
       <p:transition spd="slow"/>
     </mc:Fallback>
   </mc:AlternateContent>
@@ -5389,20 +5391,13 @@
         <p:spPr/>
         <p:txBody>
           <a:bodyPr>
-            <a:normAutofit fontScale="90000"/>
+            <a:normAutofit/>
           </a:bodyPr>
           <a:lstStyle/>
           <a:p>
             <a:r>
-              <a:rPr lang="en-US" dirty="0" smtClean="0"/>
-              <a:t>The Castle Project’s</a:t>
-            </a:r>
-            <a:br>
-              <a:rPr lang="en-US" dirty="0" smtClean="0"/>
-            </a:br>
-            <a:r>
-              <a:rPr lang="en-US" dirty="0" smtClean="0"/>
-              <a:t>Windsor</a:t>
+              <a:rPr lang="en-US" dirty="0" err="1" smtClean="0"/>
+              <a:t>DotNetOpenAuth</a:t>
             </a:r>
             <a:endParaRPr lang="en-US" dirty="0"/>
           </a:p>
@@ -5429,29 +5424,54 @@
             </a:r>
             <a:r>
               <a:rPr lang="en-US" dirty="0" smtClean="0"/>
-              <a:t>You have a desire to maintain good separation of concerns, and improve testability, so you need an Inversion of Control container.</a:t>
-            </a:r>
+              <a:t>You want to support </a:t>
+            </a:r>
+            <a:r>
+              <a:rPr lang="en-US" dirty="0" err="1" smtClean="0"/>
+              <a:t>OpenID</a:t>
+            </a:r>
+            <a:r>
+              <a:rPr lang="en-US" dirty="0" smtClean="0"/>
+              <a:t> on your ASP.NET </a:t>
+            </a:r>
+            <a:r>
+              <a:rPr lang="en-US" dirty="0" err="1" smtClean="0"/>
+              <a:t>WebForms</a:t>
+            </a:r>
+            <a:r>
+              <a:rPr lang="en-US" dirty="0" smtClean="0"/>
+              <a:t> or MVC application. OR You need to use </a:t>
+            </a:r>
+            <a:r>
+              <a:rPr lang="en-US" dirty="0" err="1" smtClean="0"/>
+              <a:t>OAuth</a:t>
+            </a:r>
+            <a:r>
+              <a:rPr lang="en-US" dirty="0" smtClean="0"/>
+              <a:t> 1.0 or 1.0a.</a:t>
+            </a:r>
+            <a:endParaRPr lang="en-US" dirty="0" smtClean="0"/>
           </a:p>
           <a:p>
             <a:r>
               <a:rPr lang="en-US" b="1" dirty="0" smtClean="0"/>
-              <a:t>Solution : </a:t>
+              <a:t>Solution </a:t>
+            </a:r>
+            <a:r>
+              <a:rPr lang="en-US" b="1" dirty="0" smtClean="0"/>
+              <a:t>: </a:t>
             </a:r>
             <a:r>
               <a:rPr lang="en-US" dirty="0" smtClean="0"/>
-              <a:t>Windsor is the most mature </a:t>
+              <a:t>Use the </a:t>
             </a:r>
             <a:r>
               <a:rPr lang="en-US" dirty="0" err="1" smtClean="0"/>
-              <a:t>IoC</a:t>
+              <a:t>DotNetOpenAuth</a:t>
             </a:r>
             <a:r>
               <a:rPr lang="en-US" dirty="0" smtClean="0"/>
-              <a:t> container available today.  It can be managed either by code or XML, and is so expandable that it will boggle your mind.  </a:t>
-            </a:r>
-            <a:r>
-              <a:rPr lang="en-US" b="1" dirty="0" smtClean="0"/>
-              <a:t>Don’t write factories, use Windsor.</a:t>
+              <a:t> library and bingo… magic!</a:t>
             </a:r>
             <a:endParaRPr lang="en-US" b="1" dirty="0"/>
           </a:p>
@@ -5460,7 +5480,7 @@
     </p:spTree>
     <p:extLst>
       <p:ext uri="{BB962C8B-B14F-4D97-AF65-F5344CB8AC3E}">
-        <p14:creationId xmlns:p14="http://schemas.microsoft.com/office/powerpoint/2010/main" val="3597221468"/>
+        <p14:creationId xmlns:p14="http://schemas.microsoft.com/office/powerpoint/2010/main" val="91971893"/>
       </p:ext>
     </p:extLst>
   </p:cSld>
@@ -5500,82 +5520,60 @@
         <p:spPr/>
         <p:txBody>
           <a:bodyPr>
-            <a:normAutofit fontScale="90000"/>
+            <a:normAutofit/>
           </a:bodyPr>
           <a:lstStyle/>
           <a:p>
             <a:r>
-              <a:rPr lang="en-US" dirty="0"/>
-              <a:t>The Castle Project’s</a:t>
+              <a:rPr lang="en-US" dirty="0" err="1" smtClean="0"/>
+              <a:t>DotNetOpenAuth</a:t>
+            </a:r>
+            <a:endParaRPr lang="en-US" dirty="0"/>
+          </a:p>
+        </p:txBody>
+      </p:sp>
+      <p:sp>
+        <p:nvSpPr>
+          <p:cNvPr id="3" name="Content Placeholder 2"/>
+          <p:cNvSpPr>
+            <a:spLocks noGrp="1"/>
+          </p:cNvSpPr>
+          <p:nvPr>
+            <p:ph idx="1"/>
+          </p:nvPr>
+        </p:nvSpPr>
+        <p:spPr/>
+        <p:txBody>
+          <a:bodyPr/>
+          <a:lstStyle/>
+          <a:p>
+            <a:r>
+              <a:rPr lang="en-US" b="1" dirty="0"/>
+              <a:t>Homepage :</a:t>
             </a:r>
             <a:br>
-              <a:rPr lang="en-US" dirty="0"/>
+              <a:rPr lang="en-US" b="1" dirty="0"/>
             </a:br>
             <a:r>
-              <a:rPr lang="en-US" dirty="0" err="1" smtClean="0"/>
-              <a:t>DynamicProxy</a:t>
-            </a:r>
-            <a:endParaRPr lang="en-US" dirty="0"/>
-          </a:p>
-        </p:txBody>
-      </p:sp>
-      <p:sp>
-        <p:nvSpPr>
-          <p:cNvPr id="3" name="Content Placeholder 2"/>
-          <p:cNvSpPr>
-            <a:spLocks noGrp="1"/>
-          </p:cNvSpPr>
-          <p:nvPr>
-            <p:ph idx="1"/>
-          </p:nvPr>
-        </p:nvSpPr>
-        <p:spPr/>
-        <p:txBody>
-          <a:bodyPr/>
-          <a:lstStyle/>
-          <a:p>
-            <a:r>
-              <a:rPr lang="en-US" b="1" dirty="0"/>
-              <a:t>Symptom : </a:t>
-            </a:r>
-            <a:r>
-              <a:rPr lang="en-US" dirty="0" smtClean="0"/>
-              <a:t>You have an interface you need to provide but which needs to alter its behavior at runtime. </a:t>
-            </a:r>
-            <a:r>
-              <a:rPr lang="en-US" b="1" dirty="0" smtClean="0"/>
-              <a:t>OR</a:t>
-            </a:r>
-            <a:r>
-              <a:rPr lang="en-US" dirty="0" smtClean="0"/>
-              <a:t>  You wish to alter or augment the behavior of a provided instance without knowledge or ownership of that instance.</a:t>
-            </a:r>
-          </a:p>
-          <a:p>
-            <a:r>
-              <a:rPr lang="en-US" b="1" dirty="0" smtClean="0"/>
-              <a:t>Solution : </a:t>
-            </a:r>
-            <a:r>
-              <a:rPr lang="en-US" dirty="0" smtClean="0"/>
-              <a:t>Create a proxy façade of the instance using </a:t>
-            </a:r>
-            <a:r>
-              <a:rPr lang="en-US" dirty="0" err="1" smtClean="0"/>
-              <a:t>DynamicProxy</a:t>
-            </a:r>
-            <a:r>
-              <a:rPr lang="en-US" dirty="0" smtClean="0"/>
-              <a:t> and provide your additional behavior through it.</a:t>
-            </a:r>
-            <a:endParaRPr lang="en-US" b="1" dirty="0"/>
+              <a:rPr lang="en-US" b="1" dirty="0">
+                <a:hlinkClick r:id="rId2"/>
+              </a:rPr>
+              <a:t>http://www.dotnetopenauth.net</a:t>
+            </a:r>
+            <a:r>
+              <a:rPr lang="en-US" b="1" dirty="0" smtClean="0">
+                <a:hlinkClick r:id="rId2"/>
+              </a:rPr>
+              <a:t>/</a:t>
+            </a:r>
+            <a:endParaRPr lang="en-US" b="1" dirty="0" smtClean="0"/>
           </a:p>
         </p:txBody>
       </p:sp>
     </p:spTree>
     <p:extLst>
       <p:ext uri="{BB962C8B-B14F-4D97-AF65-F5344CB8AC3E}">
-        <p14:creationId xmlns:p14="http://schemas.microsoft.com/office/powerpoint/2010/main" val="2151123828"/>
+        <p14:creationId xmlns:p14="http://schemas.microsoft.com/office/powerpoint/2010/main" val="2952226658"/>
       </p:ext>
     </p:extLst>
   </p:cSld>
@@ -5621,11 +5619,14 @@
           <a:p>
             <a:r>
               <a:rPr lang="en-US" dirty="0" smtClean="0"/>
-              <a:t>The Castle Project’s </a:t>
-            </a:r>
-            <a:r>
-              <a:rPr lang="en-US" dirty="0" err="1" smtClean="0"/>
-              <a:t>DictionaryAdapter</a:t>
+              <a:t>The Castle Project’s</a:t>
+            </a:r>
+            <a:br>
+              <a:rPr lang="en-US" dirty="0" smtClean="0"/>
+            </a:br>
+            <a:r>
+              <a:rPr lang="en-US" dirty="0" smtClean="0"/>
+              <a:t>Windsor</a:t>
             </a:r>
             <a:endParaRPr lang="en-US" dirty="0"/>
           </a:p>
@@ -5652,7 +5653,7 @@
             </a:r>
             <a:r>
               <a:rPr lang="en-US" dirty="0" smtClean="0"/>
-              <a:t>Your code is beginning to be covered with indexer calls (foo[“hello”]) because you are dealing with an unstructured set of key/value data.</a:t>
+              <a:t>You have a desire to maintain good separation of concerns, and improve testability, so you need an Inversion of Control container.</a:t>
             </a:r>
           </a:p>
           <a:p>
@@ -5661,12 +5662,20 @@
               <a:t>Solution : </a:t>
             </a:r>
             <a:r>
+              <a:rPr lang="en-US" dirty="0" smtClean="0"/>
+              <a:t>Windsor is the most mature </a:t>
+            </a:r>
+            <a:r>
               <a:rPr lang="en-US" dirty="0" err="1" smtClean="0"/>
-              <a:t>DictionaryAdapter</a:t>
+              <a:t>IoC</a:t>
             </a:r>
             <a:r>
               <a:rPr lang="en-US" dirty="0" smtClean="0"/>
-              <a:t> allows you to overlay an interface, and use a strongly types variable to access the information in your dictionary or other key/value store.</a:t>
+              <a:t> container available today.  It can be managed either by code or XML, and is so expandable that it will boggle your mind.  </a:t>
+            </a:r>
+            <a:r>
+              <a:rPr lang="en-US" b="1" dirty="0" smtClean="0"/>
+              <a:t>Don’t write factories, use Windsor.</a:t>
             </a:r>
             <a:endParaRPr lang="en-US" b="1" dirty="0"/>
           </a:p>
@@ -5675,21 +5684,13 @@
     </p:spTree>
     <p:extLst>
       <p:ext uri="{BB962C8B-B14F-4D97-AF65-F5344CB8AC3E}">
-        <p14:creationId xmlns:p14="http://schemas.microsoft.com/office/powerpoint/2010/main" val="119434054"/>
+        <p14:creationId xmlns:p14="http://schemas.microsoft.com/office/powerpoint/2010/main" val="3597221468"/>
       </p:ext>
     </p:extLst>
   </p:cSld>
   <p:clrMapOvr>
     <a:masterClrMapping/>
   </p:clrMapOvr>
-  <mc:AlternateContent xmlns:mc="http://schemas.openxmlformats.org/markup-compatibility/2006">
-    <mc:Choice xmlns:p14="http://schemas.microsoft.com/office/powerpoint/2010/main" Requires="p14">
-      <p:transition spd="slow" p14:dur="2000"/>
-    </mc:Choice>
-    <mc:Fallback>
-      <p:transition spd="slow"/>
-    </mc:Fallback>
-  </mc:AlternateContent>
 </p:sld>
 </file>
 
@@ -5723,6 +5724,229 @@
         <p:spPr/>
         <p:txBody>
           <a:bodyPr>
+            <a:normAutofit fontScale="90000"/>
+          </a:bodyPr>
+          <a:lstStyle/>
+          <a:p>
+            <a:r>
+              <a:rPr lang="en-US" dirty="0"/>
+              <a:t>The Castle Project’s</a:t>
+            </a:r>
+            <a:br>
+              <a:rPr lang="en-US" dirty="0"/>
+            </a:br>
+            <a:r>
+              <a:rPr lang="en-US" dirty="0" err="1" smtClean="0"/>
+              <a:t>DynamicProxy</a:t>
+            </a:r>
+            <a:endParaRPr lang="en-US" dirty="0"/>
+          </a:p>
+        </p:txBody>
+      </p:sp>
+      <p:sp>
+        <p:nvSpPr>
+          <p:cNvPr id="3" name="Content Placeholder 2"/>
+          <p:cNvSpPr>
+            <a:spLocks noGrp="1"/>
+          </p:cNvSpPr>
+          <p:nvPr>
+            <p:ph idx="1"/>
+          </p:nvPr>
+        </p:nvSpPr>
+        <p:spPr/>
+        <p:txBody>
+          <a:bodyPr/>
+          <a:lstStyle/>
+          <a:p>
+            <a:r>
+              <a:rPr lang="en-US" b="1" dirty="0"/>
+              <a:t>Symptom : </a:t>
+            </a:r>
+            <a:r>
+              <a:rPr lang="en-US" dirty="0" smtClean="0"/>
+              <a:t>You have an interface you need to provide but which needs to alter its behavior at runtime. </a:t>
+            </a:r>
+            <a:r>
+              <a:rPr lang="en-US" b="1" dirty="0" smtClean="0"/>
+              <a:t>OR</a:t>
+            </a:r>
+            <a:r>
+              <a:rPr lang="en-US" dirty="0" smtClean="0"/>
+              <a:t>  You wish to alter or augment the behavior of a provided instance without knowledge or ownership of that instance.</a:t>
+            </a:r>
+          </a:p>
+          <a:p>
+            <a:r>
+              <a:rPr lang="en-US" b="1" dirty="0" smtClean="0"/>
+              <a:t>Solution : </a:t>
+            </a:r>
+            <a:r>
+              <a:rPr lang="en-US" dirty="0" smtClean="0"/>
+              <a:t>Create a proxy façade of the instance using </a:t>
+            </a:r>
+            <a:r>
+              <a:rPr lang="en-US" dirty="0" err="1" smtClean="0"/>
+              <a:t>DynamicProxy</a:t>
+            </a:r>
+            <a:r>
+              <a:rPr lang="en-US" dirty="0" smtClean="0"/>
+              <a:t> and provide your additional behavior through it.</a:t>
+            </a:r>
+            <a:endParaRPr lang="en-US" b="1" dirty="0"/>
+          </a:p>
+        </p:txBody>
+      </p:sp>
+    </p:spTree>
+    <p:extLst>
+      <p:ext uri="{BB962C8B-B14F-4D97-AF65-F5344CB8AC3E}">
+        <p14:creationId xmlns:p14="http://schemas.microsoft.com/office/powerpoint/2010/main" val="2151123828"/>
+      </p:ext>
+    </p:extLst>
+  </p:cSld>
+  <p:clrMapOvr>
+    <a:masterClrMapping/>
+  </p:clrMapOvr>
+</p:sld>
+</file>
+
+<file path=ppt/slides/slide8.xml><?xml version="1.0" encoding="utf-8"?>
+<p:sld xmlns:a="http://schemas.openxmlformats.org/drawingml/2006/main" xmlns:r="http://schemas.openxmlformats.org/officeDocument/2006/relationships" xmlns:p="http://schemas.openxmlformats.org/presentationml/2006/main">
+  <p:cSld>
+    <p:spTree>
+      <p:nvGrpSpPr>
+        <p:cNvPr id="1" name=""/>
+        <p:cNvGrpSpPr/>
+        <p:nvPr/>
+      </p:nvGrpSpPr>
+      <p:grpSpPr>
+        <a:xfrm>
+          <a:off x="0" y="0"/>
+          <a:ext cx="0" cy="0"/>
+          <a:chOff x="0" y="0"/>
+          <a:chExt cx="0" cy="0"/>
+        </a:xfrm>
+      </p:grpSpPr>
+      <p:sp>
+        <p:nvSpPr>
+          <p:cNvPr id="2" name="Title 1"/>
+          <p:cNvSpPr>
+            <a:spLocks noGrp="1"/>
+          </p:cNvSpPr>
+          <p:nvPr>
+            <p:ph type="title"/>
+          </p:nvPr>
+        </p:nvSpPr>
+        <p:spPr/>
+        <p:txBody>
+          <a:bodyPr>
+            <a:normAutofit fontScale="90000"/>
+          </a:bodyPr>
+          <a:lstStyle/>
+          <a:p>
+            <a:r>
+              <a:rPr lang="en-US" dirty="0" smtClean="0"/>
+              <a:t>The Castle Project’s </a:t>
+            </a:r>
+            <a:r>
+              <a:rPr lang="en-US" dirty="0" err="1" smtClean="0"/>
+              <a:t>DictionaryAdapter</a:t>
+            </a:r>
+            <a:endParaRPr lang="en-US" dirty="0"/>
+          </a:p>
+        </p:txBody>
+      </p:sp>
+      <p:sp>
+        <p:nvSpPr>
+          <p:cNvPr id="3" name="Content Placeholder 2"/>
+          <p:cNvSpPr>
+            <a:spLocks noGrp="1"/>
+          </p:cNvSpPr>
+          <p:nvPr>
+            <p:ph idx="1"/>
+          </p:nvPr>
+        </p:nvSpPr>
+        <p:spPr/>
+        <p:txBody>
+          <a:bodyPr/>
+          <a:lstStyle/>
+          <a:p>
+            <a:r>
+              <a:rPr lang="en-US" b="1" dirty="0" smtClean="0"/>
+              <a:t>Symptom : </a:t>
+            </a:r>
+            <a:r>
+              <a:rPr lang="en-US" dirty="0" smtClean="0"/>
+              <a:t>Your code is beginning to be covered with indexer calls (foo[“hello”]) because you are dealing with an unstructured set of key/value data.</a:t>
+            </a:r>
+          </a:p>
+          <a:p>
+            <a:r>
+              <a:rPr lang="en-US" b="1" dirty="0" smtClean="0"/>
+              <a:t>Solution : </a:t>
+            </a:r>
+            <a:r>
+              <a:rPr lang="en-US" dirty="0" err="1" smtClean="0"/>
+              <a:t>DictionaryAdapter</a:t>
+            </a:r>
+            <a:r>
+              <a:rPr lang="en-US" dirty="0" smtClean="0"/>
+              <a:t> allows you to overlay an interface, and use a strongly types variable to access the information in your dictionary or other key/value store.</a:t>
+            </a:r>
+            <a:endParaRPr lang="en-US" b="1" dirty="0"/>
+          </a:p>
+        </p:txBody>
+      </p:sp>
+    </p:spTree>
+    <p:extLst>
+      <p:ext uri="{BB962C8B-B14F-4D97-AF65-F5344CB8AC3E}">
+        <p14:creationId xmlns:p14="http://schemas.microsoft.com/office/powerpoint/2010/main" val="119434054"/>
+      </p:ext>
+    </p:extLst>
+  </p:cSld>
+  <p:clrMapOvr>
+    <a:masterClrMapping/>
+  </p:clrMapOvr>
+  <mc:AlternateContent xmlns:mc="http://schemas.openxmlformats.org/markup-compatibility/2006" xmlns:p14="http://schemas.microsoft.com/office/powerpoint/2010/main">
+    <mc:Choice Requires="p14">
+      <p:transition spd="slow" p14:dur="2000"/>
+    </mc:Choice>
+    <mc:Fallback xmlns="">
+      <p:transition spd="slow"/>
+    </mc:Fallback>
+  </mc:AlternateContent>
+</p:sld>
+</file>
+
+<file path=ppt/slides/slide9.xml><?xml version="1.0" encoding="utf-8"?>
+<p:sld xmlns:a="http://schemas.openxmlformats.org/drawingml/2006/main" xmlns:r="http://schemas.openxmlformats.org/officeDocument/2006/relationships" xmlns:p="http://schemas.openxmlformats.org/presentationml/2006/main">
+  <p:cSld>
+    <p:spTree>
+      <p:nvGrpSpPr>
+        <p:cNvPr id="1" name=""/>
+        <p:cNvGrpSpPr/>
+        <p:nvPr/>
+      </p:nvGrpSpPr>
+      <p:grpSpPr>
+        <a:xfrm>
+          <a:off x="0" y="0"/>
+          <a:ext cx="0" cy="0"/>
+          <a:chOff x="0" y="0"/>
+          <a:chExt cx="0" cy="0"/>
+        </a:xfrm>
+      </p:grpSpPr>
+      <p:sp>
+        <p:nvSpPr>
+          <p:cNvPr id="2" name="Title 1"/>
+          <p:cNvSpPr>
+            <a:spLocks noGrp="1"/>
+          </p:cNvSpPr>
+          <p:nvPr>
+            <p:ph type="title"/>
+          </p:nvPr>
+        </p:nvSpPr>
+        <p:spPr/>
+        <p:txBody>
+          <a:bodyPr>
             <a:normAutofit/>
           </a:bodyPr>
           <a:lstStyle/>
@@ -5829,11 +6053,11 @@
   <p:clrMapOvr>
     <a:masterClrMapping/>
   </p:clrMapOvr>
-  <mc:AlternateContent xmlns:mc="http://schemas.openxmlformats.org/markup-compatibility/2006">
-    <mc:Choice xmlns:p14="http://schemas.microsoft.com/office/powerpoint/2010/main" Requires="p14">
+  <mc:AlternateContent xmlns:mc="http://schemas.openxmlformats.org/markup-compatibility/2006" xmlns:p14="http://schemas.microsoft.com/office/powerpoint/2010/main">
+    <mc:Choice Requires="p14">
       <p:transition spd="slow" p14:dur="2000"/>
     </mc:Choice>
-    <mc:Fallback>
+    <mc:Fallback xmlns="">
       <p:transition spd="slow"/>
     </mc:Fallback>
   </mc:AlternateContent>
